--- a/叮叮噹.pptx
+++ b/叮叮噹.pptx
@@ -5,9 +5,16 @@
     <p:sldMasterId id="2147483660" r:id="rId1"/>
   </p:sldMasterIdLst>
   <p:sldIdLst>
-    <p:sldId id="257" r:id="rId2"/>
-    <p:sldId id="258" r:id="rId3"/>
-    <p:sldId id="259" r:id="rId4"/>
+    <p:sldId id="260" r:id="rId2"/>
+    <p:sldId id="261" r:id="rId3"/>
+    <p:sldId id="262" r:id="rId4"/>
+    <p:sldId id="263" r:id="rId5"/>
+    <p:sldId id="264" r:id="rId6"/>
+    <p:sldId id="265" r:id="rId7"/>
+    <p:sldId id="266" r:id="rId8"/>
+    <p:sldId id="267" r:id="rId9"/>
+    <p:sldId id="268" r:id="rId10"/>
+    <p:sldId id="269" r:id="rId11"/>
   </p:sldIdLst>
   <p:sldSz cx="12192000" cy="6858000"/>
   <p:notesSz cx="6858000" cy="9144000"/>
@@ -106,6 +113,11 @@
       </a:defRPr>
     </a:lvl9pPr>
   </p:defaultTextStyle>
+  <p:extLst>
+    <p:ext uri="{EFAFB233-063F-42B5-8137-9DF3F51BA10A}">
+      <p15:sldGuideLst xmlns:p15="http://schemas.microsoft.com/office/powerpoint/2012/main"/>
+    </p:ext>
+  </p:extLst>
 </p:presentation>
 </file>
 
@@ -290,7 +302,7 @@
           <a:p>
             <a:fld id="{7E4A48EE-B602-4331-A138-9ED8D88E4C6A}" type="datetimeFigureOut">
               <a:rPr lang="en-US" smtClean="0"/>
-              <a:t>12/21/2019</a:t>
+              <a:t>12/24/2022</a:t>
             </a:fld>
             <a:endParaRPr lang="en-US"/>
           </a:p>
@@ -460,7 +472,7 @@
           <a:p>
             <a:fld id="{7E4A48EE-B602-4331-A138-9ED8D88E4C6A}" type="datetimeFigureOut">
               <a:rPr lang="en-US" smtClean="0"/>
-              <a:t>12/21/2019</a:t>
+              <a:t>12/24/2022</a:t>
             </a:fld>
             <a:endParaRPr lang="en-US"/>
           </a:p>
@@ -640,7 +652,7 @@
           <a:p>
             <a:fld id="{7E4A48EE-B602-4331-A138-9ED8D88E4C6A}" type="datetimeFigureOut">
               <a:rPr lang="en-US" smtClean="0"/>
-              <a:t>12/21/2019</a:t>
+              <a:t>12/24/2022</a:t>
             </a:fld>
             <a:endParaRPr lang="en-US"/>
           </a:p>
@@ -810,7 +822,7 @@
           <a:p>
             <a:fld id="{7E4A48EE-B602-4331-A138-9ED8D88E4C6A}" type="datetimeFigureOut">
               <a:rPr lang="en-US" smtClean="0"/>
-              <a:t>12/21/2019</a:t>
+              <a:t>12/24/2022</a:t>
             </a:fld>
             <a:endParaRPr lang="en-US"/>
           </a:p>
@@ -1056,7 +1068,7 @@
           <a:p>
             <a:fld id="{7E4A48EE-B602-4331-A138-9ED8D88E4C6A}" type="datetimeFigureOut">
               <a:rPr lang="en-US" smtClean="0"/>
-              <a:t>12/21/2019</a:t>
+              <a:t>12/24/2022</a:t>
             </a:fld>
             <a:endParaRPr lang="en-US"/>
           </a:p>
@@ -1344,7 +1356,7 @@
           <a:p>
             <a:fld id="{7E4A48EE-B602-4331-A138-9ED8D88E4C6A}" type="datetimeFigureOut">
               <a:rPr lang="en-US" smtClean="0"/>
-              <a:t>12/21/2019</a:t>
+              <a:t>12/24/2022</a:t>
             </a:fld>
             <a:endParaRPr lang="en-US"/>
           </a:p>
@@ -1766,7 +1778,7 @@
           <a:p>
             <a:fld id="{7E4A48EE-B602-4331-A138-9ED8D88E4C6A}" type="datetimeFigureOut">
               <a:rPr lang="en-US" smtClean="0"/>
-              <a:t>12/21/2019</a:t>
+              <a:t>12/24/2022</a:t>
             </a:fld>
             <a:endParaRPr lang="en-US"/>
           </a:p>
@@ -1884,7 +1896,7 @@
           <a:p>
             <a:fld id="{7E4A48EE-B602-4331-A138-9ED8D88E4C6A}" type="datetimeFigureOut">
               <a:rPr lang="en-US" smtClean="0"/>
-              <a:t>12/21/2019</a:t>
+              <a:t>12/24/2022</a:t>
             </a:fld>
             <a:endParaRPr lang="en-US"/>
           </a:p>
@@ -1979,7 +1991,7 @@
           <a:p>
             <a:fld id="{7E4A48EE-B602-4331-A138-9ED8D88E4C6A}" type="datetimeFigureOut">
               <a:rPr lang="en-US" smtClean="0"/>
-              <a:t>12/21/2019</a:t>
+              <a:t>12/24/2022</a:t>
             </a:fld>
             <a:endParaRPr lang="en-US"/>
           </a:p>
@@ -2256,7 +2268,7 @@
           <a:p>
             <a:fld id="{7E4A48EE-B602-4331-A138-9ED8D88E4C6A}" type="datetimeFigureOut">
               <a:rPr lang="en-US" smtClean="0"/>
-              <a:t>12/21/2019</a:t>
+              <a:t>12/24/2022</a:t>
             </a:fld>
             <a:endParaRPr lang="en-US"/>
           </a:p>
@@ -2513,7 +2525,7 @@
           <a:p>
             <a:fld id="{7E4A48EE-B602-4331-A138-9ED8D88E4C6A}" type="datetimeFigureOut">
               <a:rPr lang="en-US" smtClean="0"/>
-              <a:t>12/21/2019</a:t>
+              <a:t>12/24/2022</a:t>
             </a:fld>
             <a:endParaRPr lang="en-US"/>
           </a:p>
@@ -2731,7 +2743,7 @@
           <a:p>
             <a:fld id="{7E4A48EE-B602-4331-A138-9ED8D88E4C6A}" type="datetimeFigureOut">
               <a:rPr lang="en-US" smtClean="0"/>
-              <a:t>12/21/2019</a:t>
+              <a:t>12/24/2022</a:t>
             </a:fld>
             <a:endParaRPr lang="en-US"/>
           </a:p>
@@ -3108,7 +3120,7 @@
       </p:grpSpPr>
       <p:sp>
         <p:nvSpPr>
-          <p:cNvPr id="2" name="Title 1"/>
+          <p:cNvPr id="4" name="標題 3"/>
           <p:cNvSpPr>
             <a:spLocks noGrp="1"/>
           </p:cNvSpPr>
@@ -3116,224 +3128,65 @@
             <p:ph type="title"/>
           </p:nvPr>
         </p:nvSpPr>
-        <p:spPr/>
+        <p:spPr>
+          <a:xfrm>
+            <a:off x="0" y="2660915"/>
+            <a:ext cx="12192000" cy="1143000"/>
+          </a:xfrm>
+        </p:spPr>
         <p:txBody>
           <a:bodyPr>
-            <a:normAutofit/>
+            <a:noAutofit/>
           </a:bodyPr>
           <a:lstStyle/>
           <a:p>
             <a:r>
-              <a:rPr lang="zh-CN" altLang="en-US" sz="4800" b="1" dirty="0">
-                <a:latin typeface="Microsoft JhengHei" panose="020B0604030504040204" pitchFamily="34" charset="-120"/>
-                <a:ea typeface="Microsoft JhengHei" panose="020B0604030504040204" pitchFamily="34" charset="-120"/>
-              </a:rPr>
-              <a:t>叮叮噹</a:t>
-            </a:r>
-            <a:endParaRPr lang="en-US" sz="4800" b="1" dirty="0">
-              <a:latin typeface="Microsoft JhengHei" panose="020B0604030504040204" pitchFamily="34" charset="-120"/>
-              <a:ea typeface="Microsoft JhengHei" panose="020B0604030504040204" pitchFamily="34" charset="-120"/>
-            </a:endParaRPr>
-          </a:p>
-        </p:txBody>
-      </p:sp>
-      <p:sp>
-        <p:nvSpPr>
-          <p:cNvPr id="3" name="Content Placeholder 2"/>
-          <p:cNvSpPr>
-            <a:spLocks noGrp="1"/>
-          </p:cNvSpPr>
-          <p:nvPr>
-            <p:ph idx="1"/>
-          </p:nvPr>
-        </p:nvSpPr>
-        <p:spPr/>
-        <p:txBody>
-          <a:bodyPr>
-            <a:normAutofit/>
-          </a:bodyPr>
-          <a:lstStyle/>
-          <a:p>
-            <a:pPr marL="0" indent="0" algn="ctr">
-              <a:buNone/>
-            </a:pPr>
-            <a:r>
-              <a:rPr lang="zh-TW" altLang="en-US" sz="5400" b="1" dirty="0">
-                <a:latin typeface="Microsoft JhengHei" panose="020B0604030504040204" pitchFamily="34" charset="-120"/>
-                <a:ea typeface="Microsoft JhengHei" panose="020B0604030504040204" pitchFamily="34" charset="-120"/>
-              </a:rPr>
-              <a:t>叮叮</a:t>
-            </a:r>
-            <a:r>
-              <a:rPr lang="zh-TW" altLang="en-US" sz="5400" b="1" dirty="0" smtClean="0">
-                <a:latin typeface="Microsoft JhengHei" panose="020B0604030504040204" pitchFamily="34" charset="-120"/>
-                <a:ea typeface="Microsoft JhengHei" panose="020B0604030504040204" pitchFamily="34" charset="-120"/>
-              </a:rPr>
-              <a:t>噹  叮</a:t>
-            </a:r>
-            <a:r>
-              <a:rPr lang="zh-TW" altLang="en-US" sz="5400" b="1" dirty="0">
-                <a:latin typeface="Microsoft JhengHei" panose="020B0604030504040204" pitchFamily="34" charset="-120"/>
-                <a:ea typeface="Microsoft JhengHei" panose="020B0604030504040204" pitchFamily="34" charset="-120"/>
+              <a:rPr lang="zh-CN" altLang="en-US" sz="7200" b="1" i="1" dirty="0">
+                <a:solidFill>
+                  <a:srgbClr val="660033"/>
+                </a:solidFill>
+                <a:effectLst>
+                  <a:outerShdw blurRad="38100" dist="38100" dir="2700000" algn="tl">
+                    <a:srgbClr val="000000">
+                      <a:alpha val="43137"/>
+                    </a:srgbClr>
+                  </a:outerShdw>
+                </a:effectLst>
+                <a:latin typeface="微軟正黑體" pitchFamily="34" charset="-120"/>
+                <a:ea typeface="微軟正黑體" pitchFamily="34" charset="-120"/>
               </a:rPr>
               <a:t>叮</a:t>
             </a:r>
             <a:r>
-              <a:rPr lang="zh-TW" altLang="en-US" sz="5400" b="1" dirty="0" smtClean="0">
-                <a:latin typeface="Microsoft JhengHei" panose="020B0604030504040204" pitchFamily="34" charset="-120"/>
-                <a:ea typeface="Microsoft JhengHei" panose="020B0604030504040204" pitchFamily="34" charset="-120"/>
+              <a:rPr lang="zh-CN" altLang="en-US" sz="7200" b="1" i="1" dirty="0">
+                <a:solidFill>
+                  <a:srgbClr val="660033"/>
+                </a:solidFill>
+                <a:effectLst>
+                  <a:outerShdw blurRad="38100" dist="38100" dir="2700000" algn="tl">
+                    <a:srgbClr val="000000">
+                      <a:alpha val="43137"/>
+                    </a:srgbClr>
+                  </a:outerShdw>
+                </a:effectLst>
+                <a:latin typeface="微軟正黑體" pitchFamily="34" charset="-120"/>
+                <a:ea typeface="微軟正黑體" pitchFamily="34" charset="-120"/>
               </a:rPr>
-              <a:t>噹  讓</a:t>
-            </a:r>
-            <a:r>
-              <a:rPr lang="zh-TW" altLang="en-US" sz="5400" b="1" dirty="0">
-                <a:latin typeface="Microsoft JhengHei" panose="020B0604030504040204" pitchFamily="34" charset="-120"/>
-                <a:ea typeface="Microsoft JhengHei" panose="020B0604030504040204" pitchFamily="34" charset="-120"/>
-              </a:rPr>
-              <a:t>世界聽</a:t>
-            </a:r>
-            <a:r>
-              <a:rPr lang="zh-TW" altLang="en-US" sz="5400" b="1" dirty="0" smtClean="0">
-                <a:latin typeface="Microsoft JhengHei" panose="020B0604030504040204" pitchFamily="34" charset="-120"/>
-                <a:ea typeface="Microsoft JhengHei" panose="020B0604030504040204" pitchFamily="34" charset="-120"/>
-              </a:rPr>
-              <a:t>聞</a:t>
-            </a:r>
-            <a:endParaRPr lang="en-US" altLang="zh-TW" sz="5400" b="1" dirty="0" smtClean="0">
-              <a:latin typeface="Microsoft JhengHei" panose="020B0604030504040204" pitchFamily="34" charset="-120"/>
-              <a:ea typeface="Microsoft JhengHei" panose="020B0604030504040204" pitchFamily="34" charset="-120"/>
-            </a:endParaRPr>
-          </a:p>
-          <a:p>
-            <a:pPr marL="0" indent="0" algn="ctr">
-              <a:buNone/>
-            </a:pPr>
-            <a:r>
-              <a:rPr lang="zh-TW" altLang="en-US" sz="5400" b="1" dirty="0" smtClean="0">
-                <a:latin typeface="Microsoft JhengHei" panose="020B0604030504040204" pitchFamily="34" charset="-120"/>
-                <a:ea typeface="Microsoft JhengHei" panose="020B0604030504040204" pitchFamily="34" charset="-120"/>
-              </a:rPr>
-              <a:t>多</a:t>
-            </a:r>
-            <a:r>
-              <a:rPr lang="zh-TW" altLang="en-US" sz="5400" b="1" dirty="0">
-                <a:latin typeface="Microsoft JhengHei" panose="020B0604030504040204" pitchFamily="34" charset="-120"/>
-                <a:ea typeface="Microsoft JhengHei" panose="020B0604030504040204" pitchFamily="34" charset="-120"/>
-              </a:rPr>
-              <a:t>年前基督降</a:t>
-            </a:r>
-            <a:r>
-              <a:rPr lang="zh-TW" altLang="en-US" sz="5400" b="1" dirty="0" smtClean="0">
-                <a:latin typeface="Microsoft JhengHei" panose="020B0604030504040204" pitchFamily="34" charset="-120"/>
-                <a:ea typeface="Microsoft JhengHei" panose="020B0604030504040204" pitchFamily="34" charset="-120"/>
-              </a:rPr>
-              <a:t>生  在</a:t>
-            </a:r>
-            <a:r>
-              <a:rPr lang="zh-TW" altLang="en-US" sz="5400" b="1" dirty="0">
-                <a:latin typeface="Microsoft JhengHei" panose="020B0604030504040204" pitchFamily="34" charset="-120"/>
-                <a:ea typeface="Microsoft JhengHei" panose="020B0604030504040204" pitchFamily="34" charset="-120"/>
-              </a:rPr>
-              <a:t>伯利恆</a:t>
-            </a:r>
-            <a:r>
-              <a:rPr lang="zh-TW" altLang="en-US" sz="5400" b="1" dirty="0" smtClean="0">
-                <a:latin typeface="Microsoft JhengHei" panose="020B0604030504040204" pitchFamily="34" charset="-120"/>
-                <a:ea typeface="Microsoft JhengHei" panose="020B0604030504040204" pitchFamily="34" charset="-120"/>
-              </a:rPr>
-              <a:t>城</a:t>
-            </a:r>
-            <a:endParaRPr lang="en-US" altLang="zh-TW" sz="5400" b="1" dirty="0">
-              <a:latin typeface="Microsoft JhengHei" panose="020B0604030504040204" pitchFamily="34" charset="-120"/>
-              <a:ea typeface="Microsoft JhengHei" panose="020B0604030504040204" pitchFamily="34" charset="-120"/>
-            </a:endParaRPr>
-          </a:p>
-          <a:p>
-            <a:pPr marL="0" indent="0" algn="ctr">
-              <a:buNone/>
-            </a:pPr>
-            <a:r>
-              <a:rPr lang="zh-TW" altLang="en-US" sz="5400" b="1" dirty="0" smtClean="0">
-                <a:latin typeface="Microsoft JhengHei" panose="020B0604030504040204" pitchFamily="34" charset="-120"/>
-                <a:ea typeface="Microsoft JhengHei" panose="020B0604030504040204" pitchFamily="34" charset="-120"/>
-              </a:rPr>
-              <a:t>降</a:t>
-            </a:r>
-            <a:r>
-              <a:rPr lang="zh-TW" altLang="en-US" sz="5400" b="1" dirty="0">
-                <a:latin typeface="Microsoft JhengHei" panose="020B0604030504040204" pitchFamily="34" charset="-120"/>
-                <a:ea typeface="Microsoft JhengHei" panose="020B0604030504040204" pitchFamily="34" charset="-120"/>
-              </a:rPr>
-              <a:t>凡世完成救</a:t>
-            </a:r>
-            <a:r>
-              <a:rPr lang="zh-TW" altLang="en-US" sz="5400" b="1" dirty="0" smtClean="0">
-                <a:latin typeface="Microsoft JhengHei" panose="020B0604030504040204" pitchFamily="34" charset="-120"/>
-                <a:ea typeface="Microsoft JhengHei" panose="020B0604030504040204" pitchFamily="34" charset="-120"/>
-              </a:rPr>
-              <a:t>恩  主</a:t>
-            </a:r>
-            <a:r>
-              <a:rPr lang="zh-TW" altLang="en-US" sz="5400" b="1" dirty="0">
-                <a:latin typeface="Microsoft JhengHei" panose="020B0604030504040204" pitchFamily="34" charset="-120"/>
-                <a:ea typeface="Microsoft JhengHei" panose="020B0604030504040204" pitchFamily="34" charset="-120"/>
-              </a:rPr>
-              <a:t>受死使人得</a:t>
-            </a:r>
-            <a:r>
-              <a:rPr lang="zh-TW" altLang="en-US" sz="5400" b="1" dirty="0" smtClean="0">
-                <a:latin typeface="Microsoft JhengHei" panose="020B0604030504040204" pitchFamily="34" charset="-120"/>
-                <a:ea typeface="Microsoft JhengHei" panose="020B0604030504040204" pitchFamily="34" charset="-120"/>
-              </a:rPr>
-              <a:t>生</a:t>
-            </a:r>
-            <a:endParaRPr lang="en-US" altLang="zh-TW" sz="5400" b="1" dirty="0" smtClean="0">
-              <a:latin typeface="Microsoft JhengHei" panose="020B0604030504040204" pitchFamily="34" charset="-120"/>
-              <a:ea typeface="Microsoft JhengHei" panose="020B0604030504040204" pitchFamily="34" charset="-120"/>
-            </a:endParaRPr>
-          </a:p>
-          <a:p>
-            <a:pPr marL="0" indent="0" algn="ctr">
-              <a:buNone/>
-            </a:pPr>
-            <a:r>
-              <a:rPr lang="zh-TW" altLang="en-US" sz="5400" b="1" dirty="0" smtClean="0">
-                <a:latin typeface="Microsoft JhengHei" panose="020B0604030504040204" pitchFamily="34" charset="-120"/>
-                <a:ea typeface="Microsoft JhengHei" panose="020B0604030504040204" pitchFamily="34" charset="-120"/>
-              </a:rPr>
-              <a:t>多</a:t>
-            </a:r>
-            <a:r>
-              <a:rPr lang="zh-TW" altLang="en-US" sz="5400" b="1" dirty="0">
-                <a:latin typeface="Microsoft JhengHei" panose="020B0604030504040204" pitchFamily="34" charset="-120"/>
-                <a:ea typeface="Microsoft JhengHei" panose="020B0604030504040204" pitchFamily="34" charset="-120"/>
-              </a:rPr>
-              <a:t>年前願屈己</a:t>
-            </a:r>
-            <a:r>
-              <a:rPr lang="zh-TW" altLang="en-US" sz="5400" b="1" dirty="0" smtClean="0">
-                <a:latin typeface="Microsoft JhengHei" panose="020B0604030504040204" pitchFamily="34" charset="-120"/>
-                <a:ea typeface="Microsoft JhengHei" panose="020B0604030504040204" pitchFamily="34" charset="-120"/>
-              </a:rPr>
-              <a:t>身  藉</a:t>
-            </a:r>
-            <a:r>
-              <a:rPr lang="zh-TW" altLang="en-US" sz="5400" b="1" dirty="0">
-                <a:latin typeface="Microsoft JhengHei" panose="020B0604030504040204" pitchFamily="34" charset="-120"/>
-                <a:ea typeface="Microsoft JhengHei" panose="020B0604030504040204" pitchFamily="34" charset="-120"/>
-              </a:rPr>
-              <a:t>童女所</a:t>
-            </a:r>
-            <a:r>
-              <a:rPr lang="zh-TW" altLang="en-US" sz="5400" b="1" dirty="0" smtClean="0">
-                <a:latin typeface="Microsoft JhengHei" panose="020B0604030504040204" pitchFamily="34" charset="-120"/>
-                <a:ea typeface="Microsoft JhengHei" panose="020B0604030504040204" pitchFamily="34" charset="-120"/>
-              </a:rPr>
-              <a:t>生</a:t>
-            </a:r>
-            <a:endParaRPr lang="en-US" sz="5400" b="1" dirty="0">
-              <a:latin typeface="Microsoft JhengHei" panose="020B0604030504040204" pitchFamily="34" charset="-120"/>
-              <a:ea typeface="Microsoft JhengHei" panose="020B0604030504040204" pitchFamily="34" charset="-120"/>
+              <a:t>叮噹</a:t>
+            </a:r>
+            <a:endParaRPr lang="zh-TW" altLang="en-US" sz="7200" b="1" i="1" dirty="0">
+              <a:solidFill>
+                <a:srgbClr val="660033"/>
+              </a:solidFill>
+              <a:effectLst>
+                <a:outerShdw blurRad="38100" dist="38100" dir="2700000" algn="tl">
+                  <a:srgbClr val="000000">
+                    <a:alpha val="43137"/>
+                  </a:srgbClr>
+                </a:outerShdw>
+              </a:effectLst>
+              <a:latin typeface="微軟正黑體" pitchFamily="34" charset="-120"/>
+              <a:ea typeface="微軟正黑體" pitchFamily="34" charset="-120"/>
             </a:endParaRPr>
           </a:p>
         </p:txBody>
@@ -3341,7 +3194,104 @@
     </p:spTree>
     <p:extLst>
       <p:ext uri="{BB962C8B-B14F-4D97-AF65-F5344CB8AC3E}">
-        <p14:creationId xmlns:p14="http://schemas.microsoft.com/office/powerpoint/2010/main" val="1026293910"/>
+        <p14:creationId xmlns:p14="http://schemas.microsoft.com/office/powerpoint/2010/main" val="4061428059"/>
+      </p:ext>
+    </p:extLst>
+  </p:cSld>
+  <p:clrMapOvr>
+    <a:masterClrMapping/>
+  </p:clrMapOvr>
+</p:sld>
+</file>
+
+<file path=ppt/slides/slide10.xml><?xml version="1.0" encoding="utf-8"?>
+<p:sld xmlns:a="http://schemas.openxmlformats.org/drawingml/2006/main" xmlns:r="http://schemas.openxmlformats.org/officeDocument/2006/relationships" xmlns:p="http://schemas.openxmlformats.org/presentationml/2006/main">
+  <p:cSld>
+    <p:spTree>
+      <p:nvGrpSpPr>
+        <p:cNvPr id="1" name=""/>
+        <p:cNvGrpSpPr/>
+        <p:nvPr/>
+      </p:nvGrpSpPr>
+      <p:grpSpPr>
+        <a:xfrm>
+          <a:off x="0" y="0"/>
+          <a:ext cx="0" cy="0"/>
+          <a:chOff x="0" y="0"/>
+          <a:chExt cx="0" cy="0"/>
+        </a:xfrm>
+      </p:grpSpPr>
+      <p:sp>
+        <p:nvSpPr>
+          <p:cNvPr id="5" name="內容版面配置區 4"/>
+          <p:cNvSpPr>
+            <a:spLocks noGrp="1"/>
+          </p:cNvSpPr>
+          <p:nvPr>
+            <p:ph idx="1"/>
+          </p:nvPr>
+        </p:nvSpPr>
+        <p:spPr>
+          <a:xfrm>
+            <a:off x="0" y="2084851"/>
+            <a:ext cx="12192000" cy="2404863"/>
+          </a:xfrm>
+        </p:spPr>
+        <p:txBody>
+          <a:bodyPr anchor="ctr">
+            <a:normAutofit/>
+          </a:bodyPr>
+          <a:lstStyle/>
+          <a:p>
+            <a:pPr marL="0" indent="0" algn="ctr">
+              <a:buNone/>
+            </a:pPr>
+            <a:r>
+              <a:rPr lang="zh-TW" altLang="en-US" sz="6400" b="1" dirty="0">
+                <a:solidFill>
+                  <a:srgbClr val="660033"/>
+                </a:solidFill>
+                <a:latin typeface="微軟正黑體" pitchFamily="34" charset="-120"/>
+                <a:ea typeface="微軟正黑體" pitchFamily="34" charset="-120"/>
+              </a:rPr>
+              <a:t>叮叮噹  叮叮噹  讓世界聽聞</a:t>
+            </a:r>
+            <a:endParaRPr lang="en-US" altLang="zh-TW" sz="6400" b="1" dirty="0">
+              <a:solidFill>
+                <a:srgbClr val="660033"/>
+              </a:solidFill>
+              <a:latin typeface="微軟正黑體" pitchFamily="34" charset="-120"/>
+              <a:ea typeface="微軟正黑體" pitchFamily="34" charset="-120"/>
+            </a:endParaRPr>
+          </a:p>
+          <a:p>
+            <a:pPr marL="0" indent="0" algn="ctr">
+              <a:buNone/>
+            </a:pPr>
+            <a:r>
+              <a:rPr lang="zh-TW" altLang="en-US" sz="6400" b="1" dirty="0">
+                <a:solidFill>
+                  <a:srgbClr val="660033"/>
+                </a:solidFill>
+                <a:latin typeface="微軟正黑體" pitchFamily="34" charset="-120"/>
+                <a:ea typeface="微軟正黑體" pitchFamily="34" charset="-120"/>
+              </a:rPr>
+              <a:t>主基督今仍活著  因祂為至高真神</a:t>
+            </a:r>
+            <a:endParaRPr lang="en-US" sz="6400" b="1" dirty="0">
+              <a:solidFill>
+                <a:srgbClr val="660033"/>
+              </a:solidFill>
+              <a:latin typeface="微軟正黑體" pitchFamily="34" charset="-120"/>
+              <a:ea typeface="微軟正黑體" pitchFamily="34" charset="-120"/>
+            </a:endParaRPr>
+          </a:p>
+        </p:txBody>
+      </p:sp>
+    </p:spTree>
+    <p:extLst>
+      <p:ext uri="{BB962C8B-B14F-4D97-AF65-F5344CB8AC3E}">
+        <p14:creationId xmlns:p14="http://schemas.microsoft.com/office/powerpoint/2010/main" val="1849224717"/>
       </p:ext>
     </p:extLst>
   </p:cSld>
@@ -3370,225 +3320,77 @@
       </p:grpSpPr>
       <p:sp>
         <p:nvSpPr>
-          <p:cNvPr id="2" name="Title 1"/>
-          <p:cNvSpPr>
-            <a:spLocks noGrp="1"/>
-          </p:cNvSpPr>
-          <p:nvPr>
-            <p:ph type="title"/>
-          </p:nvPr>
-        </p:nvSpPr>
-        <p:spPr/>
-        <p:txBody>
-          <a:bodyPr>
+          <p:cNvPr id="5" name="內容版面配置區 4"/>
+          <p:cNvSpPr>
+            <a:spLocks noGrp="1"/>
+          </p:cNvSpPr>
+          <p:nvPr>
+            <p:ph idx="1"/>
+          </p:nvPr>
+        </p:nvSpPr>
+        <p:spPr>
+          <a:xfrm>
+            <a:off x="0" y="2084851"/>
+            <a:ext cx="12192000" cy="2404863"/>
+          </a:xfrm>
+        </p:spPr>
+        <p:txBody>
+          <a:bodyPr anchor="ctr">
             <a:normAutofit/>
           </a:bodyPr>
           <a:lstStyle/>
           <a:p>
-            <a:r>
-              <a:rPr lang="zh-CN" altLang="en-US" sz="4800" b="1" dirty="0">
-                <a:latin typeface="Microsoft JhengHei" panose="020B0604030504040204" pitchFamily="34" charset="-120"/>
-                <a:ea typeface="Microsoft JhengHei" panose="020B0604030504040204" pitchFamily="34" charset="-120"/>
-              </a:rPr>
-              <a:t>叮叮噹</a:t>
-            </a:r>
-            <a:endParaRPr lang="en-US" sz="4800" b="1" dirty="0">
-              <a:latin typeface="Microsoft JhengHei" panose="020B0604030504040204" pitchFamily="34" charset="-120"/>
-              <a:ea typeface="Microsoft JhengHei" panose="020B0604030504040204" pitchFamily="34" charset="-120"/>
-            </a:endParaRPr>
-          </a:p>
-        </p:txBody>
-      </p:sp>
-      <p:sp>
-        <p:nvSpPr>
-          <p:cNvPr id="3" name="Content Placeholder 2"/>
-          <p:cNvSpPr>
-            <a:spLocks noGrp="1"/>
-          </p:cNvSpPr>
-          <p:nvPr>
-            <p:ph idx="1"/>
-          </p:nvPr>
-        </p:nvSpPr>
-        <p:spPr/>
-        <p:txBody>
-          <a:bodyPr>
-            <a:normAutofit/>
-          </a:bodyPr>
-          <a:lstStyle/>
-          <a:p>
             <a:pPr marL="0" indent="0" algn="ctr">
               <a:buNone/>
             </a:pPr>
             <a:r>
-              <a:rPr lang="zh-TW" altLang="en-US" sz="5400" b="1" dirty="0">
-                <a:latin typeface="Microsoft JhengHei" panose="020B0604030504040204" pitchFamily="34" charset="-120"/>
-                <a:ea typeface="Microsoft JhengHei" panose="020B0604030504040204" pitchFamily="34" charset="-120"/>
-              </a:rPr>
-              <a:t>聖天父差祂兒</a:t>
-            </a:r>
-            <a:r>
-              <a:rPr lang="zh-TW" altLang="en-US" sz="5400" b="1" dirty="0">
-                <a:latin typeface="Microsoft JhengHei" panose="020B0604030504040204" pitchFamily="34" charset="-120"/>
-                <a:ea typeface="Microsoft JhengHei" panose="020B0604030504040204" pitchFamily="34" charset="-120"/>
-              </a:rPr>
-              <a:t>子  祂</a:t>
-            </a:r>
-            <a:r>
-              <a:rPr lang="zh-TW" altLang="en-US" sz="5400" b="1" dirty="0">
-                <a:latin typeface="Microsoft JhengHei" panose="020B0604030504040204" pitchFamily="34" charset="-120"/>
-                <a:ea typeface="Microsoft JhengHei" panose="020B0604030504040204" pitchFamily="34" charset="-120"/>
-              </a:rPr>
-              <a:t>懷裡獨生兒</a:t>
-            </a:r>
-            <a:r>
-              <a:rPr lang="zh-TW" altLang="en-US" sz="5400" b="1" dirty="0">
-                <a:latin typeface="Microsoft JhengHei" panose="020B0604030504040204" pitchFamily="34" charset="-120"/>
-                <a:ea typeface="Microsoft JhengHei" panose="020B0604030504040204" pitchFamily="34" charset="-120"/>
-              </a:rPr>
-              <a:t>子</a:t>
-            </a:r>
-            <a:endParaRPr lang="en-US" altLang="zh-TW" sz="5400" b="1" dirty="0">
-              <a:latin typeface="Microsoft JhengHei" panose="020B0604030504040204" pitchFamily="34" charset="-120"/>
-              <a:ea typeface="Microsoft JhengHei" panose="020B0604030504040204" pitchFamily="34" charset="-120"/>
-            </a:endParaRPr>
-          </a:p>
-          <a:p>
-            <a:pPr marL="0" indent="0" algn="ctr">
-              <a:buNone/>
-            </a:pPr>
-            <a:r>
-              <a:rPr lang="zh-TW" altLang="en-US" sz="5400" b="1" dirty="0">
-                <a:latin typeface="Microsoft JhengHei" panose="020B0604030504040204" pitchFamily="34" charset="-120"/>
-                <a:ea typeface="Microsoft JhengHei" panose="020B0604030504040204" pitchFamily="34" charset="-120"/>
-              </a:rPr>
-              <a:t>來</a:t>
-            </a:r>
-            <a:r>
-              <a:rPr lang="zh-TW" altLang="en-US" sz="5400" b="1" dirty="0">
-                <a:latin typeface="Microsoft JhengHei" panose="020B0604030504040204" pitchFamily="34" charset="-120"/>
-                <a:ea typeface="Microsoft JhengHei" panose="020B0604030504040204" pitchFamily="34" charset="-120"/>
-              </a:rPr>
-              <a:t>罪惡滿盈凡</a:t>
-            </a:r>
-            <a:r>
-              <a:rPr lang="zh-TW" altLang="en-US" sz="5400" b="1" dirty="0">
-                <a:latin typeface="Microsoft JhengHei" panose="020B0604030504040204" pitchFamily="34" charset="-120"/>
-                <a:ea typeface="Microsoft JhengHei" panose="020B0604030504040204" pitchFamily="34" charset="-120"/>
-              </a:rPr>
-              <a:t>塵  將</a:t>
-            </a:r>
-            <a:r>
-              <a:rPr lang="zh-TW" altLang="en-US" sz="5400" b="1" dirty="0">
-                <a:latin typeface="Microsoft JhengHei" panose="020B0604030504040204" pitchFamily="34" charset="-120"/>
-                <a:ea typeface="Microsoft JhengHei" panose="020B0604030504040204" pitchFamily="34" charset="-120"/>
-              </a:rPr>
-              <a:t>祂慈愛帶給世</a:t>
-            </a:r>
-            <a:r>
-              <a:rPr lang="zh-TW" altLang="en-US" sz="5400" b="1" dirty="0">
-                <a:latin typeface="Microsoft JhengHei" panose="020B0604030504040204" pitchFamily="34" charset="-120"/>
-                <a:ea typeface="Microsoft JhengHei" panose="020B0604030504040204" pitchFamily="34" charset="-120"/>
-              </a:rPr>
-              <a:t>人</a:t>
-            </a:r>
-            <a:endParaRPr lang="en-US" altLang="zh-TW" sz="5400" b="1" dirty="0">
-              <a:latin typeface="Microsoft JhengHei" panose="020B0604030504040204" pitchFamily="34" charset="-120"/>
-              <a:ea typeface="Microsoft JhengHei" panose="020B0604030504040204" pitchFamily="34" charset="-120"/>
-            </a:endParaRPr>
-          </a:p>
-          <a:p>
-            <a:pPr marL="0" indent="0" algn="ctr">
-              <a:buNone/>
-            </a:pPr>
-            <a:r>
-              <a:rPr lang="zh-TW" altLang="en-US" sz="5400" b="1" dirty="0">
-                <a:latin typeface="Microsoft JhengHei" panose="020B0604030504040204" pitchFamily="34" charset="-120"/>
-                <a:ea typeface="Microsoft JhengHei" panose="020B0604030504040204" pitchFamily="34" charset="-120"/>
+              <a:rPr lang="zh-TW" altLang="en-US" sz="6400" b="1" dirty="0">
+                <a:solidFill>
+                  <a:srgbClr val="660033"/>
+                </a:solidFill>
+                <a:latin typeface="微軟正黑體" pitchFamily="34" charset="-120"/>
+                <a:ea typeface="微軟正黑體" pitchFamily="34" charset="-120"/>
               </a:rPr>
               <a:t>叮</a:t>
             </a:r>
             <a:r>
-              <a:rPr lang="zh-TW" altLang="en-US" sz="5400" b="1" dirty="0">
-                <a:latin typeface="Microsoft JhengHei" panose="020B0604030504040204" pitchFamily="34" charset="-120"/>
-                <a:ea typeface="Microsoft JhengHei" panose="020B0604030504040204" pitchFamily="34" charset="-120"/>
+              <a:rPr lang="zh-TW" altLang="en-US" sz="6400" b="1" dirty="0">
+                <a:solidFill>
+                  <a:srgbClr val="660033"/>
+                </a:solidFill>
+                <a:latin typeface="微軟正黑體" pitchFamily="34" charset="-120"/>
+                <a:ea typeface="微軟正黑體" pitchFamily="34" charset="-120"/>
               </a:rPr>
-              <a:t>叮</a:t>
-            </a:r>
-            <a:r>
-              <a:rPr lang="zh-TW" altLang="en-US" sz="5400" b="1" dirty="0">
-                <a:latin typeface="Microsoft JhengHei" panose="020B0604030504040204" pitchFamily="34" charset="-120"/>
-                <a:ea typeface="Microsoft JhengHei" panose="020B0604030504040204" pitchFamily="34" charset="-120"/>
+              <a:t>叮噹  叮叮噹  讓世界聽聞</a:t>
+            </a:r>
+            <a:endParaRPr lang="en-US" altLang="zh-TW" sz="6400" b="1" dirty="0">
+              <a:solidFill>
+                <a:srgbClr val="660033"/>
+              </a:solidFill>
+              <a:latin typeface="微軟正黑體" pitchFamily="34" charset="-120"/>
+              <a:ea typeface="微軟正黑體" pitchFamily="34" charset="-120"/>
+            </a:endParaRPr>
+          </a:p>
+          <a:p>
+            <a:pPr marL="0" indent="0" algn="ctr">
+              <a:buNone/>
+            </a:pPr>
+            <a:r>
+              <a:rPr lang="zh-TW" altLang="en-US" sz="6400" b="1" dirty="0">
+                <a:solidFill>
+                  <a:srgbClr val="660033"/>
+                </a:solidFill>
+                <a:latin typeface="微軟正黑體" pitchFamily="34" charset="-120"/>
+                <a:ea typeface="微軟正黑體" pitchFamily="34" charset="-120"/>
               </a:rPr>
-              <a:t>噹  叮</a:t>
-            </a:r>
-            <a:r>
-              <a:rPr lang="zh-TW" altLang="en-US" sz="5400" b="1" dirty="0">
-                <a:latin typeface="Microsoft JhengHei" panose="020B0604030504040204" pitchFamily="34" charset="-120"/>
-                <a:ea typeface="Microsoft JhengHei" panose="020B0604030504040204" pitchFamily="34" charset="-120"/>
-              </a:rPr>
-              <a:t>叮</a:t>
-            </a:r>
-            <a:r>
-              <a:rPr lang="zh-TW" altLang="en-US" sz="5400" b="1" dirty="0">
-                <a:latin typeface="Microsoft JhengHei" panose="020B0604030504040204" pitchFamily="34" charset="-120"/>
-                <a:ea typeface="Microsoft JhengHei" panose="020B0604030504040204" pitchFamily="34" charset="-120"/>
-              </a:rPr>
-              <a:t>噹  讓</a:t>
-            </a:r>
-            <a:r>
-              <a:rPr lang="zh-TW" altLang="en-US" sz="5400" b="1" dirty="0">
-                <a:latin typeface="Microsoft JhengHei" panose="020B0604030504040204" pitchFamily="34" charset="-120"/>
-                <a:ea typeface="Microsoft JhengHei" panose="020B0604030504040204" pitchFamily="34" charset="-120"/>
-              </a:rPr>
-              <a:t>世界聽</a:t>
-            </a:r>
-            <a:r>
-              <a:rPr lang="zh-TW" altLang="en-US" sz="5400" b="1" dirty="0">
-                <a:latin typeface="Microsoft JhengHei" panose="020B0604030504040204" pitchFamily="34" charset="-120"/>
-                <a:ea typeface="Microsoft JhengHei" panose="020B0604030504040204" pitchFamily="34" charset="-120"/>
-              </a:rPr>
-              <a:t>聞</a:t>
-            </a:r>
-            <a:endParaRPr lang="en-US" altLang="zh-TW" sz="5400" b="1" dirty="0">
-              <a:latin typeface="Microsoft JhengHei" panose="020B0604030504040204" pitchFamily="34" charset="-120"/>
-              <a:ea typeface="Microsoft JhengHei" panose="020B0604030504040204" pitchFamily="34" charset="-120"/>
-            </a:endParaRPr>
-          </a:p>
-          <a:p>
-            <a:pPr marL="0" indent="0" algn="ctr">
-              <a:buNone/>
-            </a:pPr>
-            <a:r>
-              <a:rPr lang="zh-TW" altLang="en-US" sz="5400" b="1" dirty="0">
-                <a:latin typeface="Microsoft JhengHei" panose="020B0604030504040204" pitchFamily="34" charset="-120"/>
-                <a:ea typeface="Microsoft JhengHei" panose="020B0604030504040204" pitchFamily="34" charset="-120"/>
-              </a:rPr>
-              <a:t>多</a:t>
-            </a:r>
-            <a:r>
-              <a:rPr lang="zh-TW" altLang="en-US" sz="5400" b="1" dirty="0">
-                <a:latin typeface="Microsoft JhengHei" panose="020B0604030504040204" pitchFamily="34" charset="-120"/>
-                <a:ea typeface="Microsoft JhengHei" panose="020B0604030504040204" pitchFamily="34" charset="-120"/>
-              </a:rPr>
-              <a:t>年前基督降</a:t>
-            </a:r>
-            <a:r>
-              <a:rPr lang="zh-TW" altLang="en-US" sz="5400" b="1" dirty="0">
-                <a:latin typeface="Microsoft JhengHei" panose="020B0604030504040204" pitchFamily="34" charset="-120"/>
-                <a:ea typeface="Microsoft JhengHei" panose="020B0604030504040204" pitchFamily="34" charset="-120"/>
-              </a:rPr>
-              <a:t>生  在</a:t>
-            </a:r>
-            <a:r>
-              <a:rPr lang="zh-TW" altLang="en-US" sz="5400" b="1" dirty="0">
-                <a:latin typeface="Microsoft JhengHei" panose="020B0604030504040204" pitchFamily="34" charset="-120"/>
-                <a:ea typeface="Microsoft JhengHei" panose="020B0604030504040204" pitchFamily="34" charset="-120"/>
-              </a:rPr>
-              <a:t>伯利恆城</a:t>
-            </a:r>
-            <a:endParaRPr lang="en-US" sz="5400" b="1" dirty="0">
-              <a:latin typeface="Microsoft JhengHei" panose="020B0604030504040204" pitchFamily="34" charset="-120"/>
-              <a:ea typeface="Microsoft JhengHei" panose="020B0604030504040204" pitchFamily="34" charset="-120"/>
+              <a:t>多年前基督降生  在伯利恆城</a:t>
+            </a:r>
+            <a:endParaRPr lang="en-US" altLang="zh-TW" sz="6400" b="1" dirty="0">
+              <a:solidFill>
+                <a:srgbClr val="660033"/>
+              </a:solidFill>
+              <a:latin typeface="微軟正黑體" pitchFamily="34" charset="-120"/>
+              <a:ea typeface="微軟正黑體" pitchFamily="34" charset="-120"/>
             </a:endParaRPr>
           </a:p>
         </p:txBody>
@@ -3596,7 +3398,7 @@
     </p:spTree>
     <p:extLst>
       <p:ext uri="{BB962C8B-B14F-4D97-AF65-F5344CB8AC3E}">
-        <p14:creationId xmlns:p14="http://schemas.microsoft.com/office/powerpoint/2010/main" val="3445324058"/>
+        <p14:creationId xmlns:p14="http://schemas.microsoft.com/office/powerpoint/2010/main" val="2367424495"/>
       </p:ext>
     </p:extLst>
   </p:cSld>
@@ -3625,232 +3427,97 @@
       </p:grpSpPr>
       <p:sp>
         <p:nvSpPr>
-          <p:cNvPr id="2" name="Title 1"/>
-          <p:cNvSpPr>
-            <a:spLocks noGrp="1"/>
-          </p:cNvSpPr>
-          <p:nvPr>
-            <p:ph type="title"/>
-          </p:nvPr>
-        </p:nvSpPr>
-        <p:spPr/>
-        <p:txBody>
-          <a:bodyPr>
+          <p:cNvPr id="5" name="內容版面配置區 4"/>
+          <p:cNvSpPr>
+            <a:spLocks noGrp="1"/>
+          </p:cNvSpPr>
+          <p:nvPr>
+            <p:ph idx="1"/>
+          </p:nvPr>
+        </p:nvSpPr>
+        <p:spPr>
+          <a:xfrm>
+            <a:off x="0" y="2084851"/>
+            <a:ext cx="12192000" cy="2404863"/>
+          </a:xfrm>
+        </p:spPr>
+        <p:txBody>
+          <a:bodyPr anchor="ctr">
             <a:normAutofit/>
           </a:bodyPr>
           <a:lstStyle/>
           <a:p>
-            <a:r>
-              <a:rPr lang="zh-CN" altLang="en-US" sz="4800" b="1" dirty="0">
-                <a:latin typeface="Microsoft JhengHei" panose="020B0604030504040204" pitchFamily="34" charset="-120"/>
-                <a:ea typeface="Microsoft JhengHei" panose="020B0604030504040204" pitchFamily="34" charset="-120"/>
+            <a:pPr marL="0" indent="0" algn="ctr">
+              <a:buNone/>
+            </a:pPr>
+            <a:r>
+              <a:rPr lang="zh-TW" altLang="en-US" sz="6400" b="1" dirty="0">
+                <a:solidFill>
+                  <a:srgbClr val="660033"/>
+                </a:solidFill>
+                <a:latin typeface="微軟正黑體" pitchFamily="34" charset="-120"/>
+                <a:ea typeface="微軟正黑體" pitchFamily="34" charset="-120"/>
               </a:rPr>
-              <a:t>叮叮噹</a:t>
-            </a:r>
-            <a:endParaRPr lang="en-US" sz="4800" b="1" dirty="0">
-              <a:latin typeface="Microsoft JhengHei" panose="020B0604030504040204" pitchFamily="34" charset="-120"/>
-              <a:ea typeface="Microsoft JhengHei" panose="020B0604030504040204" pitchFamily="34" charset="-120"/>
+              <a:t>降凡世完成救</a:t>
+            </a:r>
+            <a:r>
+              <a:rPr lang="zh-TW" altLang="en-US" sz="6400" b="1" dirty="0">
+                <a:solidFill>
+                  <a:srgbClr val="660033"/>
+                </a:solidFill>
+                <a:latin typeface="微軟正黑體" pitchFamily="34" charset="-120"/>
+                <a:ea typeface="微軟正黑體" pitchFamily="34" charset="-120"/>
+              </a:rPr>
+              <a:t>恩</a:t>
+            </a:r>
+            <a:endParaRPr lang="en-US" altLang="zh-TW" sz="6400" b="1" dirty="0">
+              <a:solidFill>
+                <a:srgbClr val="660033"/>
+              </a:solidFill>
+              <a:latin typeface="微軟正黑體" pitchFamily="34" charset="-120"/>
+              <a:ea typeface="微軟正黑體" pitchFamily="34" charset="-120"/>
             </a:endParaRPr>
           </a:p>
-        </p:txBody>
-      </p:sp>
-      <p:sp>
-        <p:nvSpPr>
-          <p:cNvPr id="3" name="Content Placeholder 2"/>
-          <p:cNvSpPr>
-            <a:spLocks noGrp="1"/>
-          </p:cNvSpPr>
-          <p:nvPr>
-            <p:ph idx="1"/>
-          </p:nvPr>
-        </p:nvSpPr>
-        <p:spPr/>
-        <p:txBody>
-          <a:bodyPr>
-            <a:normAutofit/>
-          </a:bodyPr>
-          <a:lstStyle/>
           <a:p>
             <a:pPr marL="0" indent="0" algn="ctr">
               <a:buNone/>
             </a:pPr>
             <a:r>
-              <a:rPr lang="zh-TW" altLang="en-US" sz="5400" b="1" dirty="0">
-                <a:latin typeface="Microsoft JhengHei" panose="020B0604030504040204" pitchFamily="34" charset="-120"/>
-                <a:ea typeface="Microsoft JhengHei" panose="020B0604030504040204" pitchFamily="34" charset="-120"/>
-              </a:rPr>
-              <a:t>聖天父差祂兒</a:t>
-            </a:r>
-            <a:r>
-              <a:rPr lang="zh-TW" altLang="en-US" sz="5400" b="1" dirty="0">
-                <a:latin typeface="Microsoft JhengHei" panose="020B0604030504040204" pitchFamily="34" charset="-120"/>
-                <a:ea typeface="Microsoft JhengHei" panose="020B0604030504040204" pitchFamily="34" charset="-120"/>
-              </a:rPr>
-              <a:t>子  祂</a:t>
-            </a:r>
-            <a:r>
-              <a:rPr lang="zh-TW" altLang="en-US" sz="5400" b="1" dirty="0">
-                <a:latin typeface="Microsoft JhengHei" panose="020B0604030504040204" pitchFamily="34" charset="-120"/>
-                <a:ea typeface="Microsoft JhengHei" panose="020B0604030504040204" pitchFamily="34" charset="-120"/>
-              </a:rPr>
-              <a:t>懷裡獨生兒</a:t>
-            </a:r>
-            <a:r>
-              <a:rPr lang="zh-TW" altLang="en-US" sz="5400" b="1" dirty="0">
-                <a:latin typeface="Microsoft JhengHei" panose="020B0604030504040204" pitchFamily="34" charset="-120"/>
-                <a:ea typeface="Microsoft JhengHei" panose="020B0604030504040204" pitchFamily="34" charset="-120"/>
-              </a:rPr>
-              <a:t>子</a:t>
-            </a:r>
-            <a:endParaRPr lang="en-US" altLang="zh-TW" sz="5400" b="1" dirty="0">
-              <a:latin typeface="Microsoft JhengHei" panose="020B0604030504040204" pitchFamily="34" charset="-120"/>
-              <a:ea typeface="Microsoft JhengHei" panose="020B0604030504040204" pitchFamily="34" charset="-120"/>
-            </a:endParaRPr>
-          </a:p>
-          <a:p>
-            <a:pPr marL="0" indent="0" algn="ctr">
-              <a:buNone/>
-            </a:pPr>
-            <a:r>
-              <a:rPr lang="zh-TW" altLang="en-US" sz="5400" b="1" dirty="0">
-                <a:latin typeface="Microsoft JhengHei" panose="020B0604030504040204" pitchFamily="34" charset="-120"/>
-                <a:ea typeface="Microsoft JhengHei" panose="020B0604030504040204" pitchFamily="34" charset="-120"/>
-              </a:rPr>
-              <a:t>來</a:t>
-            </a:r>
-            <a:r>
-              <a:rPr lang="zh-TW" altLang="en-US" sz="5400" b="1" dirty="0">
-                <a:latin typeface="Microsoft JhengHei" panose="020B0604030504040204" pitchFamily="34" charset="-120"/>
-                <a:ea typeface="Microsoft JhengHei" panose="020B0604030504040204" pitchFamily="34" charset="-120"/>
-              </a:rPr>
-              <a:t>罪惡滿盈凡</a:t>
-            </a:r>
-            <a:r>
-              <a:rPr lang="zh-TW" altLang="en-US" sz="5400" b="1" dirty="0">
-                <a:latin typeface="Microsoft JhengHei" panose="020B0604030504040204" pitchFamily="34" charset="-120"/>
-                <a:ea typeface="Microsoft JhengHei" panose="020B0604030504040204" pitchFamily="34" charset="-120"/>
-              </a:rPr>
-              <a:t>塵  將</a:t>
-            </a:r>
-            <a:r>
-              <a:rPr lang="zh-TW" altLang="en-US" sz="5400" b="1" dirty="0">
-                <a:latin typeface="Microsoft JhengHei" panose="020B0604030504040204" pitchFamily="34" charset="-120"/>
-                <a:ea typeface="Microsoft JhengHei" panose="020B0604030504040204" pitchFamily="34" charset="-120"/>
-              </a:rPr>
-              <a:t>祂慈愛帶給世</a:t>
-            </a:r>
-            <a:r>
-              <a:rPr lang="zh-TW" altLang="en-US" sz="5400" b="1" dirty="0">
-                <a:latin typeface="Microsoft JhengHei" panose="020B0604030504040204" pitchFamily="34" charset="-120"/>
-                <a:ea typeface="Microsoft JhengHei" panose="020B0604030504040204" pitchFamily="34" charset="-120"/>
-              </a:rPr>
-              <a:t>人</a:t>
-            </a:r>
-            <a:endParaRPr lang="en-US" altLang="zh-TW" sz="5400" b="1" dirty="0">
-              <a:latin typeface="Microsoft JhengHei" panose="020B0604030504040204" pitchFamily="34" charset="-120"/>
-              <a:ea typeface="Microsoft JhengHei" panose="020B0604030504040204" pitchFamily="34" charset="-120"/>
-            </a:endParaRPr>
-          </a:p>
-          <a:p>
-            <a:pPr marL="0" indent="0" algn="ctr">
-              <a:buNone/>
-            </a:pPr>
-            <a:r>
-              <a:rPr lang="zh-TW" altLang="en-US" sz="5400" b="1" dirty="0">
-                <a:latin typeface="Microsoft JhengHei" panose="020B0604030504040204" pitchFamily="34" charset="-120"/>
-                <a:ea typeface="Microsoft JhengHei" panose="020B0604030504040204" pitchFamily="34" charset="-120"/>
-              </a:rPr>
-              <a:t> </a:t>
-            </a:r>
-            <a:r>
-              <a:rPr lang="zh-TW" altLang="en-US" sz="5400" b="1" dirty="0">
-                <a:latin typeface="Microsoft JhengHei" panose="020B0604030504040204" pitchFamily="34" charset="-120"/>
-                <a:ea typeface="Microsoft JhengHei" panose="020B0604030504040204" pitchFamily="34" charset="-120"/>
-              </a:rPr>
-              <a:t>叮叮</a:t>
-            </a:r>
-            <a:r>
-              <a:rPr lang="zh-TW" altLang="en-US" sz="5400" b="1" dirty="0">
-                <a:latin typeface="Microsoft JhengHei" panose="020B0604030504040204" pitchFamily="34" charset="-120"/>
-                <a:ea typeface="Microsoft JhengHei" panose="020B0604030504040204" pitchFamily="34" charset="-120"/>
-              </a:rPr>
-              <a:t>噹  叮</a:t>
-            </a:r>
-            <a:r>
-              <a:rPr lang="zh-TW" altLang="en-US" sz="5400" b="1" dirty="0">
-                <a:latin typeface="Microsoft JhengHei" panose="020B0604030504040204" pitchFamily="34" charset="-120"/>
-                <a:ea typeface="Microsoft JhengHei" panose="020B0604030504040204" pitchFamily="34" charset="-120"/>
-              </a:rPr>
-              <a:t>叮</a:t>
-            </a:r>
-            <a:r>
-              <a:rPr lang="zh-TW" altLang="en-US" sz="5400" b="1" dirty="0">
-                <a:latin typeface="Microsoft JhengHei" panose="020B0604030504040204" pitchFamily="34" charset="-120"/>
-                <a:ea typeface="Microsoft JhengHei" panose="020B0604030504040204" pitchFamily="34" charset="-120"/>
-              </a:rPr>
-              <a:t>噹  讓</a:t>
-            </a:r>
-            <a:r>
-              <a:rPr lang="zh-TW" altLang="en-US" sz="5400" b="1" dirty="0">
-                <a:latin typeface="Microsoft JhengHei" panose="020B0604030504040204" pitchFamily="34" charset="-120"/>
-                <a:ea typeface="Microsoft JhengHei" panose="020B0604030504040204" pitchFamily="34" charset="-120"/>
-              </a:rPr>
-              <a:t>世界聽</a:t>
-            </a:r>
-            <a:r>
-              <a:rPr lang="zh-TW" altLang="en-US" sz="5400" b="1" dirty="0">
-                <a:latin typeface="Microsoft JhengHei" panose="020B0604030504040204" pitchFamily="34" charset="-120"/>
-                <a:ea typeface="Microsoft JhengHei" panose="020B0604030504040204" pitchFamily="34" charset="-120"/>
-              </a:rPr>
-              <a:t>聞</a:t>
-            </a:r>
-            <a:endParaRPr lang="en-US" altLang="zh-TW" sz="5400" b="1" dirty="0">
-              <a:latin typeface="Microsoft JhengHei" panose="020B0604030504040204" pitchFamily="34" charset="-120"/>
-              <a:ea typeface="Microsoft JhengHei" panose="020B0604030504040204" pitchFamily="34" charset="-120"/>
-            </a:endParaRPr>
-          </a:p>
-          <a:p>
-            <a:pPr marL="0" indent="0" algn="ctr">
-              <a:buNone/>
-            </a:pPr>
-            <a:r>
-              <a:rPr lang="zh-TW" altLang="en-US" sz="5400" b="1" dirty="0">
-                <a:latin typeface="Microsoft JhengHei" panose="020B0604030504040204" pitchFamily="34" charset="-120"/>
-                <a:ea typeface="Microsoft JhengHei" panose="020B0604030504040204" pitchFamily="34" charset="-120"/>
+              <a:rPr lang="zh-TW" altLang="en-US" sz="6400" b="1" dirty="0">
+                <a:solidFill>
+                  <a:srgbClr val="660033"/>
+                </a:solidFill>
+                <a:latin typeface="微軟正黑體" pitchFamily="34" charset="-120"/>
+                <a:ea typeface="微軟正黑體" pitchFamily="34" charset="-120"/>
               </a:rPr>
               <a:t>主</a:t>
             </a:r>
             <a:r>
-              <a:rPr lang="zh-TW" altLang="en-US" sz="5400" b="1" dirty="0">
-                <a:latin typeface="Microsoft JhengHei" panose="020B0604030504040204" pitchFamily="34" charset="-120"/>
-                <a:ea typeface="Microsoft JhengHei" panose="020B0604030504040204" pitchFamily="34" charset="-120"/>
+              <a:rPr lang="zh-TW" altLang="en-US" sz="6400" b="1" dirty="0">
+                <a:solidFill>
+                  <a:srgbClr val="660033"/>
+                </a:solidFill>
+                <a:latin typeface="微軟正黑體" pitchFamily="34" charset="-120"/>
+                <a:ea typeface="微軟正黑體" pitchFamily="34" charset="-120"/>
               </a:rPr>
-              <a:t>基督今仍活</a:t>
-            </a:r>
-            <a:r>
-              <a:rPr lang="zh-TW" altLang="en-US" sz="5400" b="1" dirty="0">
-                <a:latin typeface="Microsoft JhengHei" panose="020B0604030504040204" pitchFamily="34" charset="-120"/>
-                <a:ea typeface="Microsoft JhengHei" panose="020B0604030504040204" pitchFamily="34" charset="-120"/>
+              <a:t>受死使人得</a:t>
+            </a:r>
+            <a:r>
+              <a:rPr lang="zh-TW" altLang="en-US" sz="6400" b="1" dirty="0">
+                <a:solidFill>
+                  <a:srgbClr val="660033"/>
+                </a:solidFill>
+                <a:latin typeface="微軟正黑體" pitchFamily="34" charset="-120"/>
+                <a:ea typeface="微軟正黑體" pitchFamily="34" charset="-120"/>
               </a:rPr>
-              <a:t>著  因</a:t>
-            </a:r>
-            <a:r>
-              <a:rPr lang="zh-TW" altLang="en-US" sz="5400" b="1" dirty="0">
-                <a:latin typeface="Microsoft JhengHei" panose="020B0604030504040204" pitchFamily="34" charset="-120"/>
-                <a:ea typeface="Microsoft JhengHei" panose="020B0604030504040204" pitchFamily="34" charset="-120"/>
-              </a:rPr>
-              <a:t>祂為至高真</a:t>
-            </a:r>
-            <a:r>
-              <a:rPr lang="zh-TW" altLang="en-US" sz="5400" b="1" dirty="0">
-                <a:latin typeface="Microsoft JhengHei" panose="020B0604030504040204" pitchFamily="34" charset="-120"/>
-                <a:ea typeface="Microsoft JhengHei" panose="020B0604030504040204" pitchFamily="34" charset="-120"/>
-              </a:rPr>
-              <a:t>神</a:t>
-            </a:r>
-            <a:endParaRPr lang="en-US" sz="5400" b="1" dirty="0">
-              <a:latin typeface="Microsoft JhengHei" panose="020B0604030504040204" pitchFamily="34" charset="-120"/>
-              <a:ea typeface="Microsoft JhengHei" panose="020B0604030504040204" pitchFamily="34" charset="-120"/>
+              <a:t>生</a:t>
+            </a:r>
+            <a:endParaRPr lang="en-US" sz="6400" b="1" dirty="0">
+              <a:solidFill>
+                <a:srgbClr val="660033"/>
+              </a:solidFill>
+              <a:latin typeface="微軟正黑體" pitchFamily="34" charset="-120"/>
+              <a:ea typeface="微軟正黑體" pitchFamily="34" charset="-120"/>
             </a:endParaRPr>
           </a:p>
         </p:txBody>
@@ -3858,7 +3525,699 @@
     </p:spTree>
     <p:extLst>
       <p:ext uri="{BB962C8B-B14F-4D97-AF65-F5344CB8AC3E}">
-        <p14:creationId xmlns:p14="http://schemas.microsoft.com/office/powerpoint/2010/main" val="1396271678"/>
+        <p14:creationId xmlns:p14="http://schemas.microsoft.com/office/powerpoint/2010/main" val="1746378660"/>
+      </p:ext>
+    </p:extLst>
+  </p:cSld>
+  <p:clrMapOvr>
+    <a:masterClrMapping/>
+  </p:clrMapOvr>
+</p:sld>
+</file>
+
+<file path=ppt/slides/slide4.xml><?xml version="1.0" encoding="utf-8"?>
+<p:sld xmlns:a="http://schemas.openxmlformats.org/drawingml/2006/main" xmlns:r="http://schemas.openxmlformats.org/officeDocument/2006/relationships" xmlns:p="http://schemas.openxmlformats.org/presentationml/2006/main">
+  <p:cSld>
+    <p:spTree>
+      <p:nvGrpSpPr>
+        <p:cNvPr id="1" name=""/>
+        <p:cNvGrpSpPr/>
+        <p:nvPr/>
+      </p:nvGrpSpPr>
+      <p:grpSpPr>
+        <a:xfrm>
+          <a:off x="0" y="0"/>
+          <a:ext cx="0" cy="0"/>
+          <a:chOff x="0" y="0"/>
+          <a:chExt cx="0" cy="0"/>
+        </a:xfrm>
+      </p:grpSpPr>
+      <p:sp>
+        <p:nvSpPr>
+          <p:cNvPr id="5" name="內容版面配置區 4"/>
+          <p:cNvSpPr>
+            <a:spLocks noGrp="1"/>
+          </p:cNvSpPr>
+          <p:nvPr>
+            <p:ph idx="1"/>
+          </p:nvPr>
+        </p:nvSpPr>
+        <p:spPr>
+          <a:xfrm>
+            <a:off x="0" y="2084851"/>
+            <a:ext cx="12192000" cy="2404863"/>
+          </a:xfrm>
+        </p:spPr>
+        <p:txBody>
+          <a:bodyPr anchor="ctr">
+            <a:normAutofit/>
+          </a:bodyPr>
+          <a:lstStyle/>
+          <a:p>
+            <a:pPr marL="0" indent="0" algn="ctr">
+              <a:buNone/>
+            </a:pPr>
+            <a:r>
+              <a:rPr lang="zh-TW" altLang="en-US" sz="6400" b="1" dirty="0">
+                <a:solidFill>
+                  <a:srgbClr val="660033"/>
+                </a:solidFill>
+                <a:latin typeface="微軟正黑體" pitchFamily="34" charset="-120"/>
+                <a:ea typeface="微軟正黑體" pitchFamily="34" charset="-120"/>
+              </a:rPr>
+              <a:t>多</a:t>
+            </a:r>
+            <a:r>
+              <a:rPr lang="zh-TW" altLang="en-US" sz="6400" b="1" dirty="0">
+                <a:solidFill>
+                  <a:srgbClr val="660033"/>
+                </a:solidFill>
+                <a:latin typeface="微軟正黑體" pitchFamily="34" charset="-120"/>
+                <a:ea typeface="微軟正黑體" pitchFamily="34" charset="-120"/>
+              </a:rPr>
+              <a:t>年前願屈己</a:t>
+            </a:r>
+            <a:r>
+              <a:rPr lang="zh-TW" altLang="en-US" sz="6400" b="1" dirty="0">
+                <a:solidFill>
+                  <a:srgbClr val="660033"/>
+                </a:solidFill>
+                <a:latin typeface="微軟正黑體" pitchFamily="34" charset="-120"/>
+                <a:ea typeface="微軟正黑體" pitchFamily="34" charset="-120"/>
+              </a:rPr>
+              <a:t>身</a:t>
+            </a:r>
+            <a:endParaRPr lang="en-US" altLang="zh-TW" sz="6400" b="1" dirty="0">
+              <a:solidFill>
+                <a:srgbClr val="660033"/>
+              </a:solidFill>
+              <a:latin typeface="微軟正黑體" pitchFamily="34" charset="-120"/>
+              <a:ea typeface="微軟正黑體" pitchFamily="34" charset="-120"/>
+            </a:endParaRPr>
+          </a:p>
+          <a:p>
+            <a:pPr marL="0" indent="0" algn="ctr">
+              <a:buNone/>
+            </a:pPr>
+            <a:r>
+              <a:rPr lang="zh-TW" altLang="en-US" sz="6400" b="1" dirty="0">
+                <a:solidFill>
+                  <a:srgbClr val="660033"/>
+                </a:solidFill>
+                <a:latin typeface="微軟正黑體" pitchFamily="34" charset="-120"/>
+                <a:ea typeface="微軟正黑體" pitchFamily="34" charset="-120"/>
+              </a:rPr>
+              <a:t>藉</a:t>
+            </a:r>
+            <a:r>
+              <a:rPr lang="zh-TW" altLang="en-US" sz="6400" b="1" dirty="0">
+                <a:solidFill>
+                  <a:srgbClr val="660033"/>
+                </a:solidFill>
+                <a:latin typeface="微軟正黑體" pitchFamily="34" charset="-120"/>
+                <a:ea typeface="微軟正黑體" pitchFamily="34" charset="-120"/>
+              </a:rPr>
+              <a:t>童女所生</a:t>
+            </a:r>
+            <a:endParaRPr lang="en-US" sz="6400" b="1" dirty="0">
+              <a:solidFill>
+                <a:srgbClr val="660033"/>
+              </a:solidFill>
+              <a:latin typeface="微軟正黑體" pitchFamily="34" charset="-120"/>
+              <a:ea typeface="微軟正黑體" pitchFamily="34" charset="-120"/>
+            </a:endParaRPr>
+          </a:p>
+        </p:txBody>
+      </p:sp>
+    </p:spTree>
+    <p:extLst>
+      <p:ext uri="{BB962C8B-B14F-4D97-AF65-F5344CB8AC3E}">
+        <p14:creationId xmlns:p14="http://schemas.microsoft.com/office/powerpoint/2010/main" val="2042129397"/>
+      </p:ext>
+    </p:extLst>
+  </p:cSld>
+  <p:clrMapOvr>
+    <a:masterClrMapping/>
+  </p:clrMapOvr>
+</p:sld>
+</file>
+
+<file path=ppt/slides/slide5.xml><?xml version="1.0" encoding="utf-8"?>
+<p:sld xmlns:a="http://schemas.openxmlformats.org/drawingml/2006/main" xmlns:r="http://schemas.openxmlformats.org/officeDocument/2006/relationships" xmlns:p="http://schemas.openxmlformats.org/presentationml/2006/main">
+  <p:cSld>
+    <p:spTree>
+      <p:nvGrpSpPr>
+        <p:cNvPr id="1" name=""/>
+        <p:cNvGrpSpPr/>
+        <p:nvPr/>
+      </p:nvGrpSpPr>
+      <p:grpSpPr>
+        <a:xfrm>
+          <a:off x="0" y="0"/>
+          <a:ext cx="0" cy="0"/>
+          <a:chOff x="0" y="0"/>
+          <a:chExt cx="0" cy="0"/>
+        </a:xfrm>
+      </p:grpSpPr>
+      <p:sp>
+        <p:nvSpPr>
+          <p:cNvPr id="5" name="內容版面配置區 4"/>
+          <p:cNvSpPr>
+            <a:spLocks noGrp="1"/>
+          </p:cNvSpPr>
+          <p:nvPr>
+            <p:ph idx="1"/>
+          </p:nvPr>
+        </p:nvSpPr>
+        <p:spPr>
+          <a:xfrm>
+            <a:off x="0" y="2084851"/>
+            <a:ext cx="12192000" cy="2404863"/>
+          </a:xfrm>
+        </p:spPr>
+        <p:txBody>
+          <a:bodyPr anchor="ctr">
+            <a:normAutofit/>
+          </a:bodyPr>
+          <a:lstStyle/>
+          <a:p>
+            <a:pPr marL="0" indent="0" algn="ctr">
+              <a:buNone/>
+            </a:pPr>
+            <a:r>
+              <a:rPr lang="zh-TW" altLang="en-US" sz="6400" b="1" dirty="0">
+                <a:solidFill>
+                  <a:srgbClr val="660033"/>
+                </a:solidFill>
+                <a:latin typeface="微軟正黑體" pitchFamily="34" charset="-120"/>
+                <a:ea typeface="微軟正黑體" pitchFamily="34" charset="-120"/>
+              </a:rPr>
+              <a:t>聖天父差祂兒</a:t>
+            </a:r>
+            <a:r>
+              <a:rPr lang="zh-TW" altLang="en-US" sz="6400" b="1" dirty="0">
+                <a:solidFill>
+                  <a:srgbClr val="660033"/>
+                </a:solidFill>
+                <a:latin typeface="微軟正黑體" pitchFamily="34" charset="-120"/>
+                <a:ea typeface="微軟正黑體" pitchFamily="34" charset="-120"/>
+              </a:rPr>
+              <a:t>子</a:t>
+            </a:r>
+            <a:endParaRPr lang="en-US" altLang="zh-TW" sz="6400" b="1" dirty="0">
+              <a:solidFill>
+                <a:srgbClr val="660033"/>
+              </a:solidFill>
+              <a:latin typeface="微軟正黑體" pitchFamily="34" charset="-120"/>
+              <a:ea typeface="微軟正黑體" pitchFamily="34" charset="-120"/>
+            </a:endParaRPr>
+          </a:p>
+          <a:p>
+            <a:pPr marL="0" indent="0" algn="ctr">
+              <a:buNone/>
+            </a:pPr>
+            <a:r>
+              <a:rPr lang="zh-TW" altLang="en-US" sz="6400" b="1" dirty="0">
+                <a:solidFill>
+                  <a:srgbClr val="660033"/>
+                </a:solidFill>
+                <a:latin typeface="微軟正黑體" pitchFamily="34" charset="-120"/>
+                <a:ea typeface="微軟正黑體" pitchFamily="34" charset="-120"/>
+              </a:rPr>
+              <a:t>祂</a:t>
+            </a:r>
+            <a:r>
+              <a:rPr lang="zh-TW" altLang="en-US" sz="6400" b="1" dirty="0">
+                <a:solidFill>
+                  <a:srgbClr val="660033"/>
+                </a:solidFill>
+                <a:latin typeface="微軟正黑體" pitchFamily="34" charset="-120"/>
+                <a:ea typeface="微軟正黑體" pitchFamily="34" charset="-120"/>
+              </a:rPr>
+              <a:t>懷裡獨生兒子</a:t>
+            </a:r>
+            <a:endParaRPr lang="en-US" altLang="zh-TW" sz="6400" b="1" dirty="0">
+              <a:solidFill>
+                <a:srgbClr val="660033"/>
+              </a:solidFill>
+              <a:latin typeface="微軟正黑體" pitchFamily="34" charset="-120"/>
+              <a:ea typeface="微軟正黑體" pitchFamily="34" charset="-120"/>
+            </a:endParaRPr>
+          </a:p>
+        </p:txBody>
+      </p:sp>
+    </p:spTree>
+    <p:extLst>
+      <p:ext uri="{BB962C8B-B14F-4D97-AF65-F5344CB8AC3E}">
+        <p14:creationId xmlns:p14="http://schemas.microsoft.com/office/powerpoint/2010/main" val="2734469141"/>
+      </p:ext>
+    </p:extLst>
+  </p:cSld>
+  <p:clrMapOvr>
+    <a:masterClrMapping/>
+  </p:clrMapOvr>
+</p:sld>
+</file>
+
+<file path=ppt/slides/slide6.xml><?xml version="1.0" encoding="utf-8"?>
+<p:sld xmlns:a="http://schemas.openxmlformats.org/drawingml/2006/main" xmlns:r="http://schemas.openxmlformats.org/officeDocument/2006/relationships" xmlns:p="http://schemas.openxmlformats.org/presentationml/2006/main">
+  <p:cSld>
+    <p:spTree>
+      <p:nvGrpSpPr>
+        <p:cNvPr id="1" name=""/>
+        <p:cNvGrpSpPr/>
+        <p:nvPr/>
+      </p:nvGrpSpPr>
+      <p:grpSpPr>
+        <a:xfrm>
+          <a:off x="0" y="0"/>
+          <a:ext cx="0" cy="0"/>
+          <a:chOff x="0" y="0"/>
+          <a:chExt cx="0" cy="0"/>
+        </a:xfrm>
+      </p:grpSpPr>
+      <p:sp>
+        <p:nvSpPr>
+          <p:cNvPr id="5" name="內容版面配置區 4"/>
+          <p:cNvSpPr>
+            <a:spLocks noGrp="1"/>
+          </p:cNvSpPr>
+          <p:nvPr>
+            <p:ph idx="1"/>
+          </p:nvPr>
+        </p:nvSpPr>
+        <p:spPr>
+          <a:xfrm>
+            <a:off x="0" y="2084851"/>
+            <a:ext cx="12192000" cy="2404863"/>
+          </a:xfrm>
+        </p:spPr>
+        <p:txBody>
+          <a:bodyPr anchor="ctr">
+            <a:normAutofit/>
+          </a:bodyPr>
+          <a:lstStyle/>
+          <a:p>
+            <a:pPr marL="0" indent="0" algn="ctr">
+              <a:buNone/>
+            </a:pPr>
+            <a:r>
+              <a:rPr lang="zh-TW" altLang="en-US" sz="6400" b="1" dirty="0">
+                <a:solidFill>
+                  <a:srgbClr val="660033"/>
+                </a:solidFill>
+                <a:latin typeface="微軟正黑體" pitchFamily="34" charset="-120"/>
+                <a:ea typeface="微軟正黑體" pitchFamily="34" charset="-120"/>
+              </a:rPr>
+              <a:t>來罪惡滿盈凡</a:t>
+            </a:r>
+            <a:r>
+              <a:rPr lang="zh-TW" altLang="en-US" sz="6400" b="1" dirty="0">
+                <a:solidFill>
+                  <a:srgbClr val="660033"/>
+                </a:solidFill>
+                <a:latin typeface="微軟正黑體" pitchFamily="34" charset="-120"/>
+                <a:ea typeface="微軟正黑體" pitchFamily="34" charset="-120"/>
+              </a:rPr>
+              <a:t>塵</a:t>
+            </a:r>
+            <a:endParaRPr lang="en-US" altLang="zh-TW" sz="6400" b="1" dirty="0">
+              <a:solidFill>
+                <a:srgbClr val="660033"/>
+              </a:solidFill>
+              <a:latin typeface="微軟正黑體" pitchFamily="34" charset="-120"/>
+              <a:ea typeface="微軟正黑體" pitchFamily="34" charset="-120"/>
+            </a:endParaRPr>
+          </a:p>
+          <a:p>
+            <a:pPr marL="0" indent="0" algn="ctr">
+              <a:buNone/>
+            </a:pPr>
+            <a:r>
+              <a:rPr lang="zh-TW" altLang="en-US" sz="6400" b="1" dirty="0">
+                <a:solidFill>
+                  <a:srgbClr val="660033"/>
+                </a:solidFill>
+                <a:latin typeface="微軟正黑體" pitchFamily="34" charset="-120"/>
+                <a:ea typeface="微軟正黑體" pitchFamily="34" charset="-120"/>
+              </a:rPr>
+              <a:t>將</a:t>
+            </a:r>
+            <a:r>
+              <a:rPr lang="zh-TW" altLang="en-US" sz="6400" b="1" dirty="0">
+                <a:solidFill>
+                  <a:srgbClr val="660033"/>
+                </a:solidFill>
+                <a:latin typeface="微軟正黑體" pitchFamily="34" charset="-120"/>
+                <a:ea typeface="微軟正黑體" pitchFamily="34" charset="-120"/>
+              </a:rPr>
+              <a:t>祂慈愛帶給世人</a:t>
+            </a:r>
+            <a:endParaRPr lang="en-US" altLang="zh-TW" sz="6400" b="1" dirty="0">
+              <a:solidFill>
+                <a:srgbClr val="660033"/>
+              </a:solidFill>
+              <a:latin typeface="微軟正黑體" pitchFamily="34" charset="-120"/>
+              <a:ea typeface="微軟正黑體" pitchFamily="34" charset="-120"/>
+            </a:endParaRPr>
+          </a:p>
+        </p:txBody>
+      </p:sp>
+    </p:spTree>
+    <p:extLst>
+      <p:ext uri="{BB962C8B-B14F-4D97-AF65-F5344CB8AC3E}">
+        <p14:creationId xmlns:p14="http://schemas.microsoft.com/office/powerpoint/2010/main" val="1258883699"/>
+      </p:ext>
+    </p:extLst>
+  </p:cSld>
+  <p:clrMapOvr>
+    <a:masterClrMapping/>
+  </p:clrMapOvr>
+</p:sld>
+</file>
+
+<file path=ppt/slides/slide7.xml><?xml version="1.0" encoding="utf-8"?>
+<p:sld xmlns:a="http://schemas.openxmlformats.org/drawingml/2006/main" xmlns:r="http://schemas.openxmlformats.org/officeDocument/2006/relationships" xmlns:p="http://schemas.openxmlformats.org/presentationml/2006/main">
+  <p:cSld>
+    <p:spTree>
+      <p:nvGrpSpPr>
+        <p:cNvPr id="1" name=""/>
+        <p:cNvGrpSpPr/>
+        <p:nvPr/>
+      </p:nvGrpSpPr>
+      <p:grpSpPr>
+        <a:xfrm>
+          <a:off x="0" y="0"/>
+          <a:ext cx="0" cy="0"/>
+          <a:chOff x="0" y="0"/>
+          <a:chExt cx="0" cy="0"/>
+        </a:xfrm>
+      </p:grpSpPr>
+      <p:sp>
+        <p:nvSpPr>
+          <p:cNvPr id="5" name="內容版面配置區 4"/>
+          <p:cNvSpPr>
+            <a:spLocks noGrp="1"/>
+          </p:cNvSpPr>
+          <p:nvPr>
+            <p:ph idx="1"/>
+          </p:nvPr>
+        </p:nvSpPr>
+        <p:spPr>
+          <a:xfrm>
+            <a:off x="0" y="2084851"/>
+            <a:ext cx="12192000" cy="2404863"/>
+          </a:xfrm>
+        </p:spPr>
+        <p:txBody>
+          <a:bodyPr anchor="ctr">
+            <a:normAutofit/>
+          </a:bodyPr>
+          <a:lstStyle/>
+          <a:p>
+            <a:pPr marL="0" indent="0" algn="ctr">
+              <a:buNone/>
+            </a:pPr>
+            <a:r>
+              <a:rPr lang="zh-TW" altLang="en-US" sz="6400" b="1" dirty="0">
+                <a:solidFill>
+                  <a:srgbClr val="660033"/>
+                </a:solidFill>
+                <a:latin typeface="微軟正黑體" pitchFamily="34" charset="-120"/>
+                <a:ea typeface="微軟正黑體" pitchFamily="34" charset="-120"/>
+              </a:rPr>
+              <a:t>叮叮噹  叮叮噹  讓世界聽聞</a:t>
+            </a:r>
+            <a:endParaRPr lang="en-US" altLang="zh-TW" sz="6400" b="1" dirty="0">
+              <a:solidFill>
+                <a:srgbClr val="660033"/>
+              </a:solidFill>
+              <a:latin typeface="微軟正黑體" pitchFamily="34" charset="-120"/>
+              <a:ea typeface="微軟正黑體" pitchFamily="34" charset="-120"/>
+            </a:endParaRPr>
+          </a:p>
+          <a:p>
+            <a:pPr marL="0" indent="0" algn="ctr">
+              <a:buNone/>
+            </a:pPr>
+            <a:r>
+              <a:rPr lang="zh-TW" altLang="en-US" sz="6400" b="1" dirty="0">
+                <a:solidFill>
+                  <a:srgbClr val="660033"/>
+                </a:solidFill>
+                <a:latin typeface="微軟正黑體" pitchFamily="34" charset="-120"/>
+                <a:ea typeface="微軟正黑體" pitchFamily="34" charset="-120"/>
+              </a:rPr>
+              <a:t>多年前基督降生  在伯利恆城</a:t>
+            </a:r>
+            <a:endParaRPr lang="en-US" sz="6400" b="1" dirty="0">
+              <a:solidFill>
+                <a:srgbClr val="660033"/>
+              </a:solidFill>
+              <a:latin typeface="微軟正黑體" pitchFamily="34" charset="-120"/>
+              <a:ea typeface="微軟正黑體" pitchFamily="34" charset="-120"/>
+            </a:endParaRPr>
+          </a:p>
+        </p:txBody>
+      </p:sp>
+    </p:spTree>
+    <p:extLst>
+      <p:ext uri="{BB962C8B-B14F-4D97-AF65-F5344CB8AC3E}">
+        <p14:creationId xmlns:p14="http://schemas.microsoft.com/office/powerpoint/2010/main" val="1626318620"/>
+      </p:ext>
+    </p:extLst>
+  </p:cSld>
+  <p:clrMapOvr>
+    <a:masterClrMapping/>
+  </p:clrMapOvr>
+</p:sld>
+</file>
+
+<file path=ppt/slides/slide8.xml><?xml version="1.0" encoding="utf-8"?>
+<p:sld xmlns:a="http://schemas.openxmlformats.org/drawingml/2006/main" xmlns:r="http://schemas.openxmlformats.org/officeDocument/2006/relationships" xmlns:p="http://schemas.openxmlformats.org/presentationml/2006/main">
+  <p:cSld>
+    <p:spTree>
+      <p:nvGrpSpPr>
+        <p:cNvPr id="1" name=""/>
+        <p:cNvGrpSpPr/>
+        <p:nvPr/>
+      </p:nvGrpSpPr>
+      <p:grpSpPr>
+        <a:xfrm>
+          <a:off x="0" y="0"/>
+          <a:ext cx="0" cy="0"/>
+          <a:chOff x="0" y="0"/>
+          <a:chExt cx="0" cy="0"/>
+        </a:xfrm>
+      </p:grpSpPr>
+      <p:sp>
+        <p:nvSpPr>
+          <p:cNvPr id="5" name="內容版面配置區 4"/>
+          <p:cNvSpPr>
+            <a:spLocks noGrp="1"/>
+          </p:cNvSpPr>
+          <p:nvPr>
+            <p:ph idx="1"/>
+          </p:nvPr>
+        </p:nvSpPr>
+        <p:spPr>
+          <a:xfrm>
+            <a:off x="0" y="2084851"/>
+            <a:ext cx="12192000" cy="2404863"/>
+          </a:xfrm>
+        </p:spPr>
+        <p:txBody>
+          <a:bodyPr anchor="ctr">
+            <a:normAutofit/>
+          </a:bodyPr>
+          <a:lstStyle/>
+          <a:p>
+            <a:pPr marL="0" indent="0" algn="ctr">
+              <a:buNone/>
+            </a:pPr>
+            <a:r>
+              <a:rPr lang="zh-TW" altLang="en-US" sz="6400" b="1" dirty="0">
+                <a:solidFill>
+                  <a:srgbClr val="660033"/>
+                </a:solidFill>
+                <a:latin typeface="微軟正黑體" pitchFamily="34" charset="-120"/>
+                <a:ea typeface="微軟正黑體" pitchFamily="34" charset="-120"/>
+              </a:rPr>
+              <a:t>聖天父差祂兒</a:t>
+            </a:r>
+            <a:r>
+              <a:rPr lang="zh-TW" altLang="en-US" sz="6400" b="1" dirty="0">
+                <a:solidFill>
+                  <a:srgbClr val="660033"/>
+                </a:solidFill>
+                <a:latin typeface="微軟正黑體" pitchFamily="34" charset="-120"/>
+                <a:ea typeface="微軟正黑體" pitchFamily="34" charset="-120"/>
+              </a:rPr>
+              <a:t>子</a:t>
+            </a:r>
+            <a:endParaRPr lang="en-US" altLang="zh-TW" sz="6400" b="1" dirty="0">
+              <a:solidFill>
+                <a:srgbClr val="660033"/>
+              </a:solidFill>
+              <a:latin typeface="微軟正黑體" pitchFamily="34" charset="-120"/>
+              <a:ea typeface="微軟正黑體" pitchFamily="34" charset="-120"/>
+            </a:endParaRPr>
+          </a:p>
+          <a:p>
+            <a:pPr marL="0" indent="0" algn="ctr">
+              <a:buNone/>
+            </a:pPr>
+            <a:r>
+              <a:rPr lang="zh-TW" altLang="en-US" sz="6400" b="1" dirty="0">
+                <a:solidFill>
+                  <a:srgbClr val="660033"/>
+                </a:solidFill>
+                <a:latin typeface="微軟正黑體" pitchFamily="34" charset="-120"/>
+                <a:ea typeface="微軟正黑體" pitchFamily="34" charset="-120"/>
+              </a:rPr>
+              <a:t>祂</a:t>
+            </a:r>
+            <a:r>
+              <a:rPr lang="zh-TW" altLang="en-US" sz="6400" b="1" dirty="0">
+                <a:solidFill>
+                  <a:srgbClr val="660033"/>
+                </a:solidFill>
+                <a:latin typeface="微軟正黑體" pitchFamily="34" charset="-120"/>
+                <a:ea typeface="微軟正黑體" pitchFamily="34" charset="-120"/>
+              </a:rPr>
+              <a:t>懷裡獨生兒子</a:t>
+            </a:r>
+            <a:endParaRPr lang="en-US" altLang="zh-TW" sz="6400" b="1" dirty="0">
+              <a:solidFill>
+                <a:srgbClr val="660033"/>
+              </a:solidFill>
+              <a:latin typeface="微軟正黑體" pitchFamily="34" charset="-120"/>
+              <a:ea typeface="微軟正黑體" pitchFamily="34" charset="-120"/>
+            </a:endParaRPr>
+          </a:p>
+        </p:txBody>
+      </p:sp>
+    </p:spTree>
+    <p:extLst>
+      <p:ext uri="{BB962C8B-B14F-4D97-AF65-F5344CB8AC3E}">
+        <p14:creationId xmlns:p14="http://schemas.microsoft.com/office/powerpoint/2010/main" val="1319364436"/>
+      </p:ext>
+    </p:extLst>
+  </p:cSld>
+  <p:clrMapOvr>
+    <a:masterClrMapping/>
+  </p:clrMapOvr>
+</p:sld>
+</file>
+
+<file path=ppt/slides/slide9.xml><?xml version="1.0" encoding="utf-8"?>
+<p:sld xmlns:a="http://schemas.openxmlformats.org/drawingml/2006/main" xmlns:r="http://schemas.openxmlformats.org/officeDocument/2006/relationships" xmlns:p="http://schemas.openxmlformats.org/presentationml/2006/main">
+  <p:cSld>
+    <p:spTree>
+      <p:nvGrpSpPr>
+        <p:cNvPr id="1" name=""/>
+        <p:cNvGrpSpPr/>
+        <p:nvPr/>
+      </p:nvGrpSpPr>
+      <p:grpSpPr>
+        <a:xfrm>
+          <a:off x="0" y="0"/>
+          <a:ext cx="0" cy="0"/>
+          <a:chOff x="0" y="0"/>
+          <a:chExt cx="0" cy="0"/>
+        </a:xfrm>
+      </p:grpSpPr>
+      <p:sp>
+        <p:nvSpPr>
+          <p:cNvPr id="5" name="內容版面配置區 4"/>
+          <p:cNvSpPr>
+            <a:spLocks noGrp="1"/>
+          </p:cNvSpPr>
+          <p:nvPr>
+            <p:ph idx="1"/>
+          </p:nvPr>
+        </p:nvSpPr>
+        <p:spPr>
+          <a:xfrm>
+            <a:off x="0" y="2084851"/>
+            <a:ext cx="12192000" cy="2404863"/>
+          </a:xfrm>
+        </p:spPr>
+        <p:txBody>
+          <a:bodyPr anchor="ctr">
+            <a:normAutofit/>
+          </a:bodyPr>
+          <a:lstStyle/>
+          <a:p>
+            <a:pPr marL="0" indent="0" algn="ctr">
+              <a:buNone/>
+            </a:pPr>
+            <a:r>
+              <a:rPr lang="zh-TW" altLang="en-US" sz="6400" b="1" dirty="0">
+                <a:solidFill>
+                  <a:srgbClr val="660033"/>
+                </a:solidFill>
+                <a:latin typeface="微軟正黑體" pitchFamily="34" charset="-120"/>
+                <a:ea typeface="微軟正黑體" pitchFamily="34" charset="-120"/>
+              </a:rPr>
+              <a:t>來罪惡滿盈凡</a:t>
+            </a:r>
+            <a:r>
+              <a:rPr lang="zh-TW" altLang="en-US" sz="6400" b="1" dirty="0">
+                <a:solidFill>
+                  <a:srgbClr val="660033"/>
+                </a:solidFill>
+                <a:latin typeface="微軟正黑體" pitchFamily="34" charset="-120"/>
+                <a:ea typeface="微軟正黑體" pitchFamily="34" charset="-120"/>
+              </a:rPr>
+              <a:t>塵</a:t>
+            </a:r>
+            <a:endParaRPr lang="en-US" altLang="zh-TW" sz="6400" b="1" dirty="0">
+              <a:solidFill>
+                <a:srgbClr val="660033"/>
+              </a:solidFill>
+              <a:latin typeface="微軟正黑體" pitchFamily="34" charset="-120"/>
+              <a:ea typeface="微軟正黑體" pitchFamily="34" charset="-120"/>
+            </a:endParaRPr>
+          </a:p>
+          <a:p>
+            <a:pPr marL="0" indent="0" algn="ctr">
+              <a:buNone/>
+            </a:pPr>
+            <a:r>
+              <a:rPr lang="zh-TW" altLang="en-US" sz="6400" b="1" dirty="0">
+                <a:solidFill>
+                  <a:srgbClr val="660033"/>
+                </a:solidFill>
+                <a:latin typeface="微軟正黑體" pitchFamily="34" charset="-120"/>
+                <a:ea typeface="微軟正黑體" pitchFamily="34" charset="-120"/>
+              </a:rPr>
+              <a:t>將</a:t>
+            </a:r>
+            <a:r>
+              <a:rPr lang="zh-TW" altLang="en-US" sz="6400" b="1" dirty="0">
+                <a:solidFill>
+                  <a:srgbClr val="660033"/>
+                </a:solidFill>
+                <a:latin typeface="微軟正黑體" pitchFamily="34" charset="-120"/>
+                <a:ea typeface="微軟正黑體" pitchFamily="34" charset="-120"/>
+              </a:rPr>
+              <a:t>祂慈愛帶給世人</a:t>
+            </a:r>
+            <a:endParaRPr lang="en-US" altLang="zh-TW" sz="6400" b="1" dirty="0">
+              <a:solidFill>
+                <a:srgbClr val="660033"/>
+              </a:solidFill>
+              <a:latin typeface="微軟正黑體" pitchFamily="34" charset="-120"/>
+              <a:ea typeface="微軟正黑體" pitchFamily="34" charset="-120"/>
+            </a:endParaRPr>
+          </a:p>
+        </p:txBody>
+      </p:sp>
+    </p:spTree>
+    <p:extLst>
+      <p:ext uri="{BB962C8B-B14F-4D97-AF65-F5344CB8AC3E}">
+        <p14:creationId xmlns:p14="http://schemas.microsoft.com/office/powerpoint/2010/main" val="3151285249"/>
       </p:ext>
     </p:extLst>
   </p:cSld>
